--- a/2021/statistics-for-business/session-1.pptx
+++ b/2021/statistics-for-business/session-1.pptx
@@ -5,7 +5,7 @@
     <p:sldMasterId id="2147483660" r:id="rId1"/>
   </p:sldMasterIdLst>
   <p:sldIdLst>
-    <p:sldId id="272" r:id="rId2"/>
+    <p:sldId id="274" r:id="rId2"/>
     <p:sldId id="258" r:id="rId3"/>
     <p:sldId id="260" r:id="rId4"/>
     <p:sldId id="261" r:id="rId5"/>
@@ -23490,7 +23490,7 @@
           <a:p>
             <a:fld id="{BAB092CD-4273-444B-8426-8EB57D389A51}" type="datetimeFigureOut">
               <a:rPr lang="es-MX" smtClean="0"/>
-              <a:t>16/10/2021</a:t>
+              <a:t>14/01/2022</a:t>
             </a:fld>
             <a:endParaRPr lang="es-MX" dirty="0"/>
           </a:p>
@@ -23728,7 +23728,7 @@
           <a:p>
             <a:fld id="{BAB092CD-4273-444B-8426-8EB57D389A51}" type="datetimeFigureOut">
               <a:rPr lang="es-MX" smtClean="0"/>
-              <a:t>16/10/2021</a:t>
+              <a:t>14/01/2022</a:t>
             </a:fld>
             <a:endParaRPr lang="es-MX" dirty="0"/>
           </a:p>
@@ -23908,7 +23908,7 @@
           <a:p>
             <a:fld id="{BAB092CD-4273-444B-8426-8EB57D389A51}" type="datetimeFigureOut">
               <a:rPr lang="es-MX" smtClean="0"/>
-              <a:t>16/10/2021</a:t>
+              <a:t>14/01/2022</a:t>
             </a:fld>
             <a:endParaRPr lang="es-MX" dirty="0"/>
           </a:p>
@@ -24078,7 +24078,7 @@
           <a:p>
             <a:fld id="{BAB092CD-4273-444B-8426-8EB57D389A51}" type="datetimeFigureOut">
               <a:rPr lang="es-MX" smtClean="0"/>
-              <a:t>16/10/2021</a:t>
+              <a:t>14/01/2022</a:t>
             </a:fld>
             <a:endParaRPr lang="es-MX" dirty="0"/>
           </a:p>
@@ -24354,7 +24354,7 @@
           <a:p>
             <a:fld id="{BAB092CD-4273-444B-8426-8EB57D389A51}" type="datetimeFigureOut">
               <a:rPr lang="es-MX" smtClean="0"/>
-              <a:t>16/10/2021</a:t>
+              <a:t>14/01/2022</a:t>
             </a:fld>
             <a:endParaRPr lang="es-MX" dirty="0"/>
           </a:p>
@@ -25555,7 +25555,7 @@
           <a:p>
             <a:fld id="{BAB092CD-4273-444B-8426-8EB57D389A51}" type="datetimeFigureOut">
               <a:rPr lang="es-MX" smtClean="0"/>
-              <a:t>16/10/2021</a:t>
+              <a:t>14/01/2022</a:t>
             </a:fld>
             <a:endParaRPr lang="es-MX" dirty="0"/>
           </a:p>
@@ -25945,7 +25945,7 @@
           <a:p>
             <a:fld id="{BAB092CD-4273-444B-8426-8EB57D389A51}" type="datetimeFigureOut">
               <a:rPr lang="es-MX" smtClean="0"/>
-              <a:t>16/10/2021</a:t>
+              <a:t>14/01/2022</a:t>
             </a:fld>
             <a:endParaRPr lang="es-MX" dirty="0"/>
           </a:p>
@@ -26068,7 +26068,7 @@
           <a:p>
             <a:fld id="{BAB092CD-4273-444B-8426-8EB57D389A51}" type="datetimeFigureOut">
               <a:rPr lang="es-MX" smtClean="0"/>
-              <a:t>16/10/2021</a:t>
+              <a:t>14/01/2022</a:t>
             </a:fld>
             <a:endParaRPr lang="es-MX" dirty="0"/>
           </a:p>
@@ -26163,7 +26163,7 @@
           <a:p>
             <a:fld id="{BAB092CD-4273-444B-8426-8EB57D389A51}" type="datetimeFigureOut">
               <a:rPr lang="es-MX" smtClean="0"/>
-              <a:t>16/10/2021</a:t>
+              <a:t>14/01/2022</a:t>
             </a:fld>
             <a:endParaRPr lang="es-MX" dirty="0"/>
           </a:p>
@@ -26926,7 +26926,7 @@
           <a:p>
             <a:fld id="{BAB092CD-4273-444B-8426-8EB57D389A51}" type="datetimeFigureOut">
               <a:rPr lang="es-MX" smtClean="0"/>
-              <a:t>16/10/2021</a:t>
+              <a:t>14/01/2022</a:t>
             </a:fld>
             <a:endParaRPr lang="es-MX" dirty="0"/>
           </a:p>
@@ -27765,7 +27765,7 @@
           <a:p>
             <a:fld id="{BAB092CD-4273-444B-8426-8EB57D389A51}" type="datetimeFigureOut">
               <a:rPr lang="es-MX" smtClean="0"/>
-              <a:t>16/10/2021</a:t>
+              <a:t>14/01/2022</a:t>
             </a:fld>
             <a:endParaRPr lang="es-MX" dirty="0"/>
           </a:p>
@@ -27992,7 +27992,7 @@
           <a:p>
             <a:fld id="{BAB092CD-4273-444B-8426-8EB57D389A51}" type="datetimeFigureOut">
               <a:rPr lang="es-MX" smtClean="0"/>
-              <a:t>16/10/2021</a:t>
+              <a:t>14/01/2022</a:t>
             </a:fld>
             <a:endParaRPr lang="es-MX" dirty="0"/>
           </a:p>
@@ -28977,14 +28977,6 @@
 <file path=ppt/slides/slide1.xml><?xml version="1.0" encoding="utf-8"?>
 <p:sld xmlns:a="http://schemas.openxmlformats.org/drawingml/2006/main" xmlns:r="http://schemas.openxmlformats.org/officeDocument/2006/relationships" xmlns:p="http://schemas.openxmlformats.org/presentationml/2006/main">
   <p:cSld>
-    <p:bg>
-      <p:bgPr>
-        <a:solidFill>
-          <a:schemeClr val="accent1"/>
-        </a:solidFill>
-        <a:effectLst/>
-      </p:bgPr>
-    </p:bg>
     <p:spTree>
       <p:nvGrpSpPr>
         <p:cNvPr id="1" name=""/>
@@ -28999,69 +28991,6 @@
           <a:chExt cx="0" cy="0"/>
         </a:xfrm>
       </p:grpSpPr>
-      <p:sp>
-        <p:nvSpPr>
-          <p:cNvPr id="16" name="Rectangle 15">
-            <a:extLst>
-              <a:ext uri="{FF2B5EF4-FFF2-40B4-BE49-F238E27FC236}">
-                <a16:creationId xmlns:a16="http://schemas.microsoft.com/office/drawing/2014/main" id="{89868916-58B2-48F0-B6C8-D995E89772D4}"/>
-              </a:ext>
-              <a:ext uri="{C183D7F6-B498-43B3-948B-1728B52AA6E4}">
-                <adec:decorative xmlns:adec="http://schemas.microsoft.com/office/drawing/2017/decorative" val="1"/>
-              </a:ext>
-            </a:extLst>
-          </p:cNvPr>
-          <p:cNvSpPr>
-            <a:spLocks noGrp="1" noRot="1" noChangeAspect="1" noMove="1" noResize="1" noEditPoints="1" noAdjustHandles="1" noChangeArrowheads="1" noChangeShapeType="1" noTextEdit="1"/>
-          </p:cNvSpPr>
-          <p:nvPr>
-            <p:extLst>
-              <p:ext uri="{386F3935-93C4-4BCD-93E2-E3B085C9AB24}">
-                <p16:designElem xmlns:p16="http://schemas.microsoft.com/office/powerpoint/2015/main" val="1"/>
-              </p:ext>
-            </p:extLst>
-          </p:nvPr>
-        </p:nvSpPr>
-        <p:spPr bwMode="ltGray">
-          <a:xfrm>
-            <a:off x="0" y="0"/>
-            <a:ext cx="12191999" cy="6858000"/>
-          </a:xfrm>
-          <a:prstGeom prst="rect">
-            <a:avLst/>
-          </a:prstGeom>
-          <a:solidFill>
-            <a:schemeClr val="accent1"/>
-          </a:solidFill>
-          <a:ln>
-            <a:noFill/>
-          </a:ln>
-        </p:spPr>
-        <p:style>
-          <a:lnRef idx="2">
-            <a:schemeClr val="accent1">
-              <a:shade val="50000"/>
-            </a:schemeClr>
-          </a:lnRef>
-          <a:fillRef idx="1">
-            <a:schemeClr val="accent1"/>
-          </a:fillRef>
-          <a:effectRef idx="0">
-            <a:schemeClr val="accent1"/>
-          </a:effectRef>
-          <a:fontRef idx="minor">
-            <a:schemeClr val="lt1"/>
-          </a:fontRef>
-        </p:style>
-        <p:txBody>
-          <a:bodyPr rtlCol="0" anchor="ctr"/>
-          <a:lstStyle/>
-          <a:p>
-            <a:pPr algn="ctr"/>
-            <a:endParaRPr lang="en-US"/>
-          </a:p>
-        </p:txBody>
-      </p:sp>
       <p:pic>
         <p:nvPicPr>
           <p:cNvPr id="5" name="Picture 4" descr="Graph">
@@ -29093,828 +29022,6 @@
       </p:pic>
       <p:sp>
         <p:nvSpPr>
-          <p:cNvPr id="18" name="Freeform 13">
-            <a:extLst>
-              <a:ext uri="{FF2B5EF4-FFF2-40B4-BE49-F238E27FC236}">
-                <a16:creationId xmlns:a16="http://schemas.microsoft.com/office/drawing/2014/main" id="{BB82496C-9AD4-4916-BAB7-FF3CC04BF625}"/>
-              </a:ext>
-              <a:ext uri="{C183D7F6-B498-43B3-948B-1728B52AA6E4}">
-                <adec:decorative xmlns:adec="http://schemas.microsoft.com/office/drawing/2017/decorative" val="1"/>
-              </a:ext>
-            </a:extLst>
-          </p:cNvPr>
-          <p:cNvSpPr>
-            <a:spLocks noGrp="1" noRot="1" noChangeAspect="1" noMove="1" noResize="1" noEditPoints="1" noAdjustHandles="1" noChangeArrowheads="1" noChangeShapeType="1" noTextEdit="1"/>
-          </p:cNvSpPr>
-          <p:nvPr>
-            <p:extLst>
-              <p:ext uri="{386F3935-93C4-4BCD-93E2-E3B085C9AB24}">
-                <p16:designElem xmlns:p16="http://schemas.microsoft.com/office/powerpoint/2015/main" val="1"/>
-              </p:ext>
-            </p:extLst>
-          </p:nvPr>
-        </p:nvSpPr>
-        <p:spPr bwMode="white">
-          <a:xfrm flipH="1">
-            <a:off x="0" y="0"/>
-            <a:ext cx="9807836" cy="6858000"/>
-          </a:xfrm>
-          <a:custGeom>
-            <a:avLst/>
-            <a:gdLst>
-              <a:gd name="connsiteX0" fmla="*/ 9807836 w 9807836"/>
-              <a:gd name="connsiteY0" fmla="*/ 0 h 6858000"/>
-              <a:gd name="connsiteX1" fmla="*/ 0 w 9807836"/>
-              <a:gd name="connsiteY1" fmla="*/ 0 h 6858000"/>
-              <a:gd name="connsiteX2" fmla="*/ 26987 w 9807836"/>
-              <a:gd name="connsiteY2" fmla="*/ 87312 h 6858000"/>
-              <a:gd name="connsiteX3" fmla="*/ 52387 w 9807836"/>
-              <a:gd name="connsiteY3" fmla="*/ 174625 h 6858000"/>
-              <a:gd name="connsiteX4" fmla="*/ 77787 w 9807836"/>
-              <a:gd name="connsiteY4" fmla="*/ 263525 h 6858000"/>
-              <a:gd name="connsiteX5" fmla="*/ 100012 w 9807836"/>
-              <a:gd name="connsiteY5" fmla="*/ 354012 h 6858000"/>
-              <a:gd name="connsiteX6" fmla="*/ 127000 w 9807836"/>
-              <a:gd name="connsiteY6" fmla="*/ 441325 h 6858000"/>
-              <a:gd name="connsiteX7" fmla="*/ 155575 w 9807836"/>
-              <a:gd name="connsiteY7" fmla="*/ 525462 h 6858000"/>
-              <a:gd name="connsiteX8" fmla="*/ 192087 w 9807836"/>
-              <a:gd name="connsiteY8" fmla="*/ 604837 h 6858000"/>
-              <a:gd name="connsiteX9" fmla="*/ 234950 w 9807836"/>
-              <a:gd name="connsiteY9" fmla="*/ 677862 h 6858000"/>
-              <a:gd name="connsiteX10" fmla="*/ 282575 w 9807836"/>
-              <a:gd name="connsiteY10" fmla="*/ 739775 h 6858000"/>
-              <a:gd name="connsiteX11" fmla="*/ 334962 w 9807836"/>
-              <a:gd name="connsiteY11" fmla="*/ 798512 h 6858000"/>
-              <a:gd name="connsiteX12" fmla="*/ 395287 w 9807836"/>
-              <a:gd name="connsiteY12" fmla="*/ 852487 h 6858000"/>
-              <a:gd name="connsiteX13" fmla="*/ 458787 w 9807836"/>
-              <a:gd name="connsiteY13" fmla="*/ 906462 h 6858000"/>
-              <a:gd name="connsiteX14" fmla="*/ 525462 w 9807836"/>
-              <a:gd name="connsiteY14" fmla="*/ 957262 h 6858000"/>
-              <a:gd name="connsiteX15" fmla="*/ 592137 w 9807836"/>
-              <a:gd name="connsiteY15" fmla="*/ 1008062 h 6858000"/>
-              <a:gd name="connsiteX16" fmla="*/ 660400 w 9807836"/>
-              <a:gd name="connsiteY16" fmla="*/ 1060450 h 6858000"/>
-              <a:gd name="connsiteX17" fmla="*/ 725487 w 9807836"/>
-              <a:gd name="connsiteY17" fmla="*/ 1111250 h 6858000"/>
-              <a:gd name="connsiteX18" fmla="*/ 787400 w 9807836"/>
-              <a:gd name="connsiteY18" fmla="*/ 1165225 h 6858000"/>
-              <a:gd name="connsiteX19" fmla="*/ 844550 w 9807836"/>
-              <a:gd name="connsiteY19" fmla="*/ 1223962 h 6858000"/>
-              <a:gd name="connsiteX20" fmla="*/ 896937 w 9807836"/>
-              <a:gd name="connsiteY20" fmla="*/ 1282700 h 6858000"/>
-              <a:gd name="connsiteX21" fmla="*/ 939800 w 9807836"/>
-              <a:gd name="connsiteY21" fmla="*/ 1346200 h 6858000"/>
-              <a:gd name="connsiteX22" fmla="*/ 976312 w 9807836"/>
-              <a:gd name="connsiteY22" fmla="*/ 1417637 h 6858000"/>
-              <a:gd name="connsiteX23" fmla="*/ 998537 w 9807836"/>
-              <a:gd name="connsiteY23" fmla="*/ 1487487 h 6858000"/>
-              <a:gd name="connsiteX24" fmla="*/ 1012825 w 9807836"/>
-              <a:gd name="connsiteY24" fmla="*/ 1565275 h 6858000"/>
-              <a:gd name="connsiteX25" fmla="*/ 1019175 w 9807836"/>
-              <a:gd name="connsiteY25" fmla="*/ 1641475 h 6858000"/>
-              <a:gd name="connsiteX26" fmla="*/ 1017587 w 9807836"/>
-              <a:gd name="connsiteY26" fmla="*/ 1722437 h 6858000"/>
-              <a:gd name="connsiteX27" fmla="*/ 1011237 w 9807836"/>
-              <a:gd name="connsiteY27" fmla="*/ 1803400 h 6858000"/>
-              <a:gd name="connsiteX28" fmla="*/ 1003300 w 9807836"/>
-              <a:gd name="connsiteY28" fmla="*/ 1887537 h 6858000"/>
-              <a:gd name="connsiteX29" fmla="*/ 992187 w 9807836"/>
-              <a:gd name="connsiteY29" fmla="*/ 1971675 h 6858000"/>
-              <a:gd name="connsiteX30" fmla="*/ 979487 w 9807836"/>
-              <a:gd name="connsiteY30" fmla="*/ 2055812 h 6858000"/>
-              <a:gd name="connsiteX31" fmla="*/ 969962 w 9807836"/>
-              <a:gd name="connsiteY31" fmla="*/ 2139950 h 6858000"/>
-              <a:gd name="connsiteX32" fmla="*/ 963612 w 9807836"/>
-              <a:gd name="connsiteY32" fmla="*/ 2224087 h 6858000"/>
-              <a:gd name="connsiteX33" fmla="*/ 958850 w 9807836"/>
-              <a:gd name="connsiteY33" fmla="*/ 2305050 h 6858000"/>
-              <a:gd name="connsiteX34" fmla="*/ 963612 w 9807836"/>
-              <a:gd name="connsiteY34" fmla="*/ 2384425 h 6858000"/>
-              <a:gd name="connsiteX35" fmla="*/ 973137 w 9807836"/>
-              <a:gd name="connsiteY35" fmla="*/ 2462212 h 6858000"/>
-              <a:gd name="connsiteX36" fmla="*/ 993775 w 9807836"/>
-              <a:gd name="connsiteY36" fmla="*/ 2543175 h 6858000"/>
-              <a:gd name="connsiteX37" fmla="*/ 1025525 w 9807836"/>
-              <a:gd name="connsiteY37" fmla="*/ 2622550 h 6858000"/>
-              <a:gd name="connsiteX38" fmla="*/ 1063625 w 9807836"/>
-              <a:gd name="connsiteY38" fmla="*/ 2701925 h 6858000"/>
-              <a:gd name="connsiteX39" fmla="*/ 1106487 w 9807836"/>
-              <a:gd name="connsiteY39" fmla="*/ 2781300 h 6858000"/>
-              <a:gd name="connsiteX40" fmla="*/ 1150937 w 9807836"/>
-              <a:gd name="connsiteY40" fmla="*/ 2859087 h 6858000"/>
-              <a:gd name="connsiteX41" fmla="*/ 1198562 w 9807836"/>
-              <a:gd name="connsiteY41" fmla="*/ 2938462 h 6858000"/>
-              <a:gd name="connsiteX42" fmla="*/ 1241425 w 9807836"/>
-              <a:gd name="connsiteY42" fmla="*/ 3017837 h 6858000"/>
-              <a:gd name="connsiteX43" fmla="*/ 1284288 w 9807836"/>
-              <a:gd name="connsiteY43" fmla="*/ 3098800 h 6858000"/>
-              <a:gd name="connsiteX44" fmla="*/ 1320800 w 9807836"/>
-              <a:gd name="connsiteY44" fmla="*/ 3179762 h 6858000"/>
-              <a:gd name="connsiteX45" fmla="*/ 1349375 w 9807836"/>
-              <a:gd name="connsiteY45" fmla="*/ 3260725 h 6858000"/>
-              <a:gd name="connsiteX46" fmla="*/ 1365250 w 9807836"/>
-              <a:gd name="connsiteY46" fmla="*/ 3343275 h 6858000"/>
-              <a:gd name="connsiteX47" fmla="*/ 1374775 w 9807836"/>
-              <a:gd name="connsiteY47" fmla="*/ 3429000 h 6858000"/>
-              <a:gd name="connsiteX48" fmla="*/ 1365250 w 9807836"/>
-              <a:gd name="connsiteY48" fmla="*/ 3514725 h 6858000"/>
-              <a:gd name="connsiteX49" fmla="*/ 1349375 w 9807836"/>
-              <a:gd name="connsiteY49" fmla="*/ 3597275 h 6858000"/>
-              <a:gd name="connsiteX50" fmla="*/ 1320800 w 9807836"/>
-              <a:gd name="connsiteY50" fmla="*/ 3678237 h 6858000"/>
-              <a:gd name="connsiteX51" fmla="*/ 1284288 w 9807836"/>
-              <a:gd name="connsiteY51" fmla="*/ 3759200 h 6858000"/>
-              <a:gd name="connsiteX52" fmla="*/ 1241425 w 9807836"/>
-              <a:gd name="connsiteY52" fmla="*/ 3840162 h 6858000"/>
-              <a:gd name="connsiteX53" fmla="*/ 1198562 w 9807836"/>
-              <a:gd name="connsiteY53" fmla="*/ 3919537 h 6858000"/>
-              <a:gd name="connsiteX54" fmla="*/ 1150937 w 9807836"/>
-              <a:gd name="connsiteY54" fmla="*/ 3998912 h 6858000"/>
-              <a:gd name="connsiteX55" fmla="*/ 1106487 w 9807836"/>
-              <a:gd name="connsiteY55" fmla="*/ 4076700 h 6858000"/>
-              <a:gd name="connsiteX56" fmla="*/ 1063625 w 9807836"/>
-              <a:gd name="connsiteY56" fmla="*/ 4156075 h 6858000"/>
-              <a:gd name="connsiteX57" fmla="*/ 1025525 w 9807836"/>
-              <a:gd name="connsiteY57" fmla="*/ 4235450 h 6858000"/>
-              <a:gd name="connsiteX58" fmla="*/ 993775 w 9807836"/>
-              <a:gd name="connsiteY58" fmla="*/ 4314825 h 6858000"/>
-              <a:gd name="connsiteX59" fmla="*/ 973137 w 9807836"/>
-              <a:gd name="connsiteY59" fmla="*/ 4395787 h 6858000"/>
-              <a:gd name="connsiteX60" fmla="*/ 963612 w 9807836"/>
-              <a:gd name="connsiteY60" fmla="*/ 4473575 h 6858000"/>
-              <a:gd name="connsiteX61" fmla="*/ 958850 w 9807836"/>
-              <a:gd name="connsiteY61" fmla="*/ 4552950 h 6858000"/>
-              <a:gd name="connsiteX62" fmla="*/ 963612 w 9807836"/>
-              <a:gd name="connsiteY62" fmla="*/ 4633912 h 6858000"/>
-              <a:gd name="connsiteX63" fmla="*/ 969962 w 9807836"/>
-              <a:gd name="connsiteY63" fmla="*/ 4718050 h 6858000"/>
-              <a:gd name="connsiteX64" fmla="*/ 979487 w 9807836"/>
-              <a:gd name="connsiteY64" fmla="*/ 4802187 h 6858000"/>
-              <a:gd name="connsiteX65" fmla="*/ 992187 w 9807836"/>
-              <a:gd name="connsiteY65" fmla="*/ 4886325 h 6858000"/>
-              <a:gd name="connsiteX66" fmla="*/ 1003300 w 9807836"/>
-              <a:gd name="connsiteY66" fmla="*/ 4970462 h 6858000"/>
-              <a:gd name="connsiteX67" fmla="*/ 1011237 w 9807836"/>
-              <a:gd name="connsiteY67" fmla="*/ 5054600 h 6858000"/>
-              <a:gd name="connsiteX68" fmla="*/ 1017587 w 9807836"/>
-              <a:gd name="connsiteY68" fmla="*/ 5135562 h 6858000"/>
-              <a:gd name="connsiteX69" fmla="*/ 1019175 w 9807836"/>
-              <a:gd name="connsiteY69" fmla="*/ 5216525 h 6858000"/>
-              <a:gd name="connsiteX70" fmla="*/ 1012825 w 9807836"/>
-              <a:gd name="connsiteY70" fmla="*/ 5292725 h 6858000"/>
-              <a:gd name="connsiteX71" fmla="*/ 998537 w 9807836"/>
-              <a:gd name="connsiteY71" fmla="*/ 5370512 h 6858000"/>
-              <a:gd name="connsiteX72" fmla="*/ 976312 w 9807836"/>
-              <a:gd name="connsiteY72" fmla="*/ 5440362 h 6858000"/>
-              <a:gd name="connsiteX73" fmla="*/ 939800 w 9807836"/>
-              <a:gd name="connsiteY73" fmla="*/ 5511800 h 6858000"/>
-              <a:gd name="connsiteX74" fmla="*/ 896937 w 9807836"/>
-              <a:gd name="connsiteY74" fmla="*/ 5575300 h 6858000"/>
-              <a:gd name="connsiteX75" fmla="*/ 844550 w 9807836"/>
-              <a:gd name="connsiteY75" fmla="*/ 5634037 h 6858000"/>
-              <a:gd name="connsiteX76" fmla="*/ 787400 w 9807836"/>
-              <a:gd name="connsiteY76" fmla="*/ 5692775 h 6858000"/>
-              <a:gd name="connsiteX77" fmla="*/ 725487 w 9807836"/>
-              <a:gd name="connsiteY77" fmla="*/ 5746750 h 6858000"/>
-              <a:gd name="connsiteX78" fmla="*/ 660400 w 9807836"/>
-              <a:gd name="connsiteY78" fmla="*/ 5797550 h 6858000"/>
-              <a:gd name="connsiteX79" fmla="*/ 592137 w 9807836"/>
-              <a:gd name="connsiteY79" fmla="*/ 5849937 h 6858000"/>
-              <a:gd name="connsiteX80" fmla="*/ 525462 w 9807836"/>
-              <a:gd name="connsiteY80" fmla="*/ 5900737 h 6858000"/>
-              <a:gd name="connsiteX81" fmla="*/ 458787 w 9807836"/>
-              <a:gd name="connsiteY81" fmla="*/ 5951537 h 6858000"/>
-              <a:gd name="connsiteX82" fmla="*/ 395287 w 9807836"/>
-              <a:gd name="connsiteY82" fmla="*/ 6005512 h 6858000"/>
-              <a:gd name="connsiteX83" fmla="*/ 334962 w 9807836"/>
-              <a:gd name="connsiteY83" fmla="*/ 6059487 h 6858000"/>
-              <a:gd name="connsiteX84" fmla="*/ 282575 w 9807836"/>
-              <a:gd name="connsiteY84" fmla="*/ 6118225 h 6858000"/>
-              <a:gd name="connsiteX85" fmla="*/ 234950 w 9807836"/>
-              <a:gd name="connsiteY85" fmla="*/ 6180137 h 6858000"/>
-              <a:gd name="connsiteX86" fmla="*/ 192087 w 9807836"/>
-              <a:gd name="connsiteY86" fmla="*/ 6253162 h 6858000"/>
-              <a:gd name="connsiteX87" fmla="*/ 155575 w 9807836"/>
-              <a:gd name="connsiteY87" fmla="*/ 6332537 h 6858000"/>
-              <a:gd name="connsiteX88" fmla="*/ 127000 w 9807836"/>
-              <a:gd name="connsiteY88" fmla="*/ 6416675 h 6858000"/>
-              <a:gd name="connsiteX89" fmla="*/ 100012 w 9807836"/>
-              <a:gd name="connsiteY89" fmla="*/ 6503987 h 6858000"/>
-              <a:gd name="connsiteX90" fmla="*/ 77787 w 9807836"/>
-              <a:gd name="connsiteY90" fmla="*/ 6594475 h 6858000"/>
-              <a:gd name="connsiteX91" fmla="*/ 52387 w 9807836"/>
-              <a:gd name="connsiteY91" fmla="*/ 6683375 h 6858000"/>
-              <a:gd name="connsiteX92" fmla="*/ 26987 w 9807836"/>
-              <a:gd name="connsiteY92" fmla="*/ 6770687 h 6858000"/>
-              <a:gd name="connsiteX93" fmla="*/ 0 w 9807836"/>
-              <a:gd name="connsiteY93" fmla="*/ 6858000 h 6858000"/>
-              <a:gd name="connsiteX94" fmla="*/ 9807836 w 9807836"/>
-              <a:gd name="connsiteY94" fmla="*/ 6858000 h 6858000"/>
-              <a:gd name="connsiteX95" fmla="*/ 9807836 w 9807836"/>
-              <a:gd name="connsiteY95" fmla="*/ 0 h 6858000"/>
-            </a:gdLst>
-            <a:ahLst/>
-            <a:cxnLst>
-              <a:cxn ang="0">
-                <a:pos x="connsiteX0" y="connsiteY0"/>
-              </a:cxn>
-              <a:cxn ang="0">
-                <a:pos x="connsiteX1" y="connsiteY1"/>
-              </a:cxn>
-              <a:cxn ang="0">
-                <a:pos x="connsiteX2" y="connsiteY2"/>
-              </a:cxn>
-              <a:cxn ang="0">
-                <a:pos x="connsiteX3" y="connsiteY3"/>
-              </a:cxn>
-              <a:cxn ang="0">
-                <a:pos x="connsiteX4" y="connsiteY4"/>
-              </a:cxn>
-              <a:cxn ang="0">
-                <a:pos x="connsiteX5" y="connsiteY5"/>
-              </a:cxn>
-              <a:cxn ang="0">
-                <a:pos x="connsiteX6" y="connsiteY6"/>
-              </a:cxn>
-              <a:cxn ang="0">
-                <a:pos x="connsiteX7" y="connsiteY7"/>
-              </a:cxn>
-              <a:cxn ang="0">
-                <a:pos x="connsiteX8" y="connsiteY8"/>
-              </a:cxn>
-              <a:cxn ang="0">
-                <a:pos x="connsiteX9" y="connsiteY9"/>
-              </a:cxn>
-              <a:cxn ang="0">
-                <a:pos x="connsiteX10" y="connsiteY10"/>
-              </a:cxn>
-              <a:cxn ang="0">
-                <a:pos x="connsiteX11" y="connsiteY11"/>
-              </a:cxn>
-              <a:cxn ang="0">
-                <a:pos x="connsiteX12" y="connsiteY12"/>
-              </a:cxn>
-              <a:cxn ang="0">
-                <a:pos x="connsiteX13" y="connsiteY13"/>
-              </a:cxn>
-              <a:cxn ang="0">
-                <a:pos x="connsiteX14" y="connsiteY14"/>
-              </a:cxn>
-              <a:cxn ang="0">
-                <a:pos x="connsiteX15" y="connsiteY15"/>
-              </a:cxn>
-              <a:cxn ang="0">
-                <a:pos x="connsiteX16" y="connsiteY16"/>
-              </a:cxn>
-              <a:cxn ang="0">
-                <a:pos x="connsiteX17" y="connsiteY17"/>
-              </a:cxn>
-              <a:cxn ang="0">
-                <a:pos x="connsiteX18" y="connsiteY18"/>
-              </a:cxn>
-              <a:cxn ang="0">
-                <a:pos x="connsiteX19" y="connsiteY19"/>
-              </a:cxn>
-              <a:cxn ang="0">
-                <a:pos x="connsiteX20" y="connsiteY20"/>
-              </a:cxn>
-              <a:cxn ang="0">
-                <a:pos x="connsiteX21" y="connsiteY21"/>
-              </a:cxn>
-              <a:cxn ang="0">
-                <a:pos x="connsiteX22" y="connsiteY22"/>
-              </a:cxn>
-              <a:cxn ang="0">
-                <a:pos x="connsiteX23" y="connsiteY23"/>
-              </a:cxn>
-              <a:cxn ang="0">
-                <a:pos x="connsiteX24" y="connsiteY24"/>
-              </a:cxn>
-              <a:cxn ang="0">
-                <a:pos x="connsiteX25" y="connsiteY25"/>
-              </a:cxn>
-              <a:cxn ang="0">
-                <a:pos x="connsiteX26" y="connsiteY26"/>
-              </a:cxn>
-              <a:cxn ang="0">
-                <a:pos x="connsiteX27" y="connsiteY27"/>
-              </a:cxn>
-              <a:cxn ang="0">
-                <a:pos x="connsiteX28" y="connsiteY28"/>
-              </a:cxn>
-              <a:cxn ang="0">
-                <a:pos x="connsiteX29" y="connsiteY29"/>
-              </a:cxn>
-              <a:cxn ang="0">
-                <a:pos x="connsiteX30" y="connsiteY30"/>
-              </a:cxn>
-              <a:cxn ang="0">
-                <a:pos x="connsiteX31" y="connsiteY31"/>
-              </a:cxn>
-              <a:cxn ang="0">
-                <a:pos x="connsiteX32" y="connsiteY32"/>
-              </a:cxn>
-              <a:cxn ang="0">
-                <a:pos x="connsiteX33" y="connsiteY33"/>
-              </a:cxn>
-              <a:cxn ang="0">
-                <a:pos x="connsiteX34" y="connsiteY34"/>
-              </a:cxn>
-              <a:cxn ang="0">
-                <a:pos x="connsiteX35" y="connsiteY35"/>
-              </a:cxn>
-              <a:cxn ang="0">
-                <a:pos x="connsiteX36" y="connsiteY36"/>
-              </a:cxn>
-              <a:cxn ang="0">
-                <a:pos x="connsiteX37" y="connsiteY37"/>
-              </a:cxn>
-              <a:cxn ang="0">
-                <a:pos x="connsiteX38" y="connsiteY38"/>
-              </a:cxn>
-              <a:cxn ang="0">
-                <a:pos x="connsiteX39" y="connsiteY39"/>
-              </a:cxn>
-              <a:cxn ang="0">
-                <a:pos x="connsiteX40" y="connsiteY40"/>
-              </a:cxn>
-              <a:cxn ang="0">
-                <a:pos x="connsiteX41" y="connsiteY41"/>
-              </a:cxn>
-              <a:cxn ang="0">
-                <a:pos x="connsiteX42" y="connsiteY42"/>
-              </a:cxn>
-              <a:cxn ang="0">
-                <a:pos x="connsiteX43" y="connsiteY43"/>
-              </a:cxn>
-              <a:cxn ang="0">
-                <a:pos x="connsiteX44" y="connsiteY44"/>
-              </a:cxn>
-              <a:cxn ang="0">
-                <a:pos x="connsiteX45" y="connsiteY45"/>
-              </a:cxn>
-              <a:cxn ang="0">
-                <a:pos x="connsiteX46" y="connsiteY46"/>
-              </a:cxn>
-              <a:cxn ang="0">
-                <a:pos x="connsiteX47" y="connsiteY47"/>
-              </a:cxn>
-              <a:cxn ang="0">
-                <a:pos x="connsiteX48" y="connsiteY48"/>
-              </a:cxn>
-              <a:cxn ang="0">
-                <a:pos x="connsiteX49" y="connsiteY49"/>
-              </a:cxn>
-              <a:cxn ang="0">
-                <a:pos x="connsiteX50" y="connsiteY50"/>
-              </a:cxn>
-              <a:cxn ang="0">
-                <a:pos x="connsiteX51" y="connsiteY51"/>
-              </a:cxn>
-              <a:cxn ang="0">
-                <a:pos x="connsiteX52" y="connsiteY52"/>
-              </a:cxn>
-              <a:cxn ang="0">
-                <a:pos x="connsiteX53" y="connsiteY53"/>
-              </a:cxn>
-              <a:cxn ang="0">
-                <a:pos x="connsiteX54" y="connsiteY54"/>
-              </a:cxn>
-              <a:cxn ang="0">
-                <a:pos x="connsiteX55" y="connsiteY55"/>
-              </a:cxn>
-              <a:cxn ang="0">
-                <a:pos x="connsiteX56" y="connsiteY56"/>
-              </a:cxn>
-              <a:cxn ang="0">
-                <a:pos x="connsiteX57" y="connsiteY57"/>
-              </a:cxn>
-              <a:cxn ang="0">
-                <a:pos x="connsiteX58" y="connsiteY58"/>
-              </a:cxn>
-              <a:cxn ang="0">
-                <a:pos x="connsiteX59" y="connsiteY59"/>
-              </a:cxn>
-              <a:cxn ang="0">
-                <a:pos x="connsiteX60" y="connsiteY60"/>
-              </a:cxn>
-              <a:cxn ang="0">
-                <a:pos x="connsiteX61" y="connsiteY61"/>
-              </a:cxn>
-              <a:cxn ang="0">
-                <a:pos x="connsiteX62" y="connsiteY62"/>
-              </a:cxn>
-              <a:cxn ang="0">
-                <a:pos x="connsiteX63" y="connsiteY63"/>
-              </a:cxn>
-              <a:cxn ang="0">
-                <a:pos x="connsiteX64" y="connsiteY64"/>
-              </a:cxn>
-              <a:cxn ang="0">
-                <a:pos x="connsiteX65" y="connsiteY65"/>
-              </a:cxn>
-              <a:cxn ang="0">
-                <a:pos x="connsiteX66" y="connsiteY66"/>
-              </a:cxn>
-              <a:cxn ang="0">
-                <a:pos x="connsiteX67" y="connsiteY67"/>
-              </a:cxn>
-              <a:cxn ang="0">
-                <a:pos x="connsiteX68" y="connsiteY68"/>
-              </a:cxn>
-              <a:cxn ang="0">
-                <a:pos x="connsiteX69" y="connsiteY69"/>
-              </a:cxn>
-              <a:cxn ang="0">
-                <a:pos x="connsiteX70" y="connsiteY70"/>
-              </a:cxn>
-              <a:cxn ang="0">
-                <a:pos x="connsiteX71" y="connsiteY71"/>
-              </a:cxn>
-              <a:cxn ang="0">
-                <a:pos x="connsiteX72" y="connsiteY72"/>
-              </a:cxn>
-              <a:cxn ang="0">
-                <a:pos x="connsiteX73" y="connsiteY73"/>
-              </a:cxn>
-              <a:cxn ang="0">
-                <a:pos x="connsiteX74" y="connsiteY74"/>
-              </a:cxn>
-              <a:cxn ang="0">
-                <a:pos x="connsiteX75" y="connsiteY75"/>
-              </a:cxn>
-              <a:cxn ang="0">
-                <a:pos x="connsiteX76" y="connsiteY76"/>
-              </a:cxn>
-              <a:cxn ang="0">
-                <a:pos x="connsiteX77" y="connsiteY77"/>
-              </a:cxn>
-              <a:cxn ang="0">
-                <a:pos x="connsiteX78" y="connsiteY78"/>
-              </a:cxn>
-              <a:cxn ang="0">
-                <a:pos x="connsiteX79" y="connsiteY79"/>
-              </a:cxn>
-              <a:cxn ang="0">
-                <a:pos x="connsiteX80" y="connsiteY80"/>
-              </a:cxn>
-              <a:cxn ang="0">
-                <a:pos x="connsiteX81" y="connsiteY81"/>
-              </a:cxn>
-              <a:cxn ang="0">
-                <a:pos x="connsiteX82" y="connsiteY82"/>
-              </a:cxn>
-              <a:cxn ang="0">
-                <a:pos x="connsiteX83" y="connsiteY83"/>
-              </a:cxn>
-              <a:cxn ang="0">
-                <a:pos x="connsiteX84" y="connsiteY84"/>
-              </a:cxn>
-              <a:cxn ang="0">
-                <a:pos x="connsiteX85" y="connsiteY85"/>
-              </a:cxn>
-              <a:cxn ang="0">
-                <a:pos x="connsiteX86" y="connsiteY86"/>
-              </a:cxn>
-              <a:cxn ang="0">
-                <a:pos x="connsiteX87" y="connsiteY87"/>
-              </a:cxn>
-              <a:cxn ang="0">
-                <a:pos x="connsiteX88" y="connsiteY88"/>
-              </a:cxn>
-              <a:cxn ang="0">
-                <a:pos x="connsiteX89" y="connsiteY89"/>
-              </a:cxn>
-              <a:cxn ang="0">
-                <a:pos x="connsiteX90" y="connsiteY90"/>
-              </a:cxn>
-              <a:cxn ang="0">
-                <a:pos x="connsiteX91" y="connsiteY91"/>
-              </a:cxn>
-              <a:cxn ang="0">
-                <a:pos x="connsiteX92" y="connsiteY92"/>
-              </a:cxn>
-              <a:cxn ang="0">
-                <a:pos x="connsiteX93" y="connsiteY93"/>
-              </a:cxn>
-              <a:cxn ang="0">
-                <a:pos x="connsiteX94" y="connsiteY94"/>
-              </a:cxn>
-              <a:cxn ang="0">
-                <a:pos x="connsiteX95" y="connsiteY95"/>
-              </a:cxn>
-            </a:cxnLst>
-            <a:rect l="l" t="t" r="r" b="b"/>
-            <a:pathLst>
-              <a:path w="9807836" h="6858000">
-                <a:moveTo>
-                  <a:pt x="9807836" y="0"/>
-                </a:moveTo>
-                <a:lnTo>
-                  <a:pt x="0" y="0"/>
-                </a:lnTo>
-                <a:lnTo>
-                  <a:pt x="26987" y="87312"/>
-                </a:lnTo>
-                <a:lnTo>
-                  <a:pt x="52387" y="174625"/>
-                </a:lnTo>
-                <a:lnTo>
-                  <a:pt x="77787" y="263525"/>
-                </a:lnTo>
-                <a:lnTo>
-                  <a:pt x="100012" y="354012"/>
-                </a:lnTo>
-                <a:lnTo>
-                  <a:pt x="127000" y="441325"/>
-                </a:lnTo>
-                <a:lnTo>
-                  <a:pt x="155575" y="525462"/>
-                </a:lnTo>
-                <a:lnTo>
-                  <a:pt x="192087" y="604837"/>
-                </a:lnTo>
-                <a:lnTo>
-                  <a:pt x="234950" y="677862"/>
-                </a:lnTo>
-                <a:lnTo>
-                  <a:pt x="282575" y="739775"/>
-                </a:lnTo>
-                <a:lnTo>
-                  <a:pt x="334962" y="798512"/>
-                </a:lnTo>
-                <a:lnTo>
-                  <a:pt x="395287" y="852487"/>
-                </a:lnTo>
-                <a:lnTo>
-                  <a:pt x="458787" y="906462"/>
-                </a:lnTo>
-                <a:lnTo>
-                  <a:pt x="525462" y="957262"/>
-                </a:lnTo>
-                <a:lnTo>
-                  <a:pt x="592137" y="1008062"/>
-                </a:lnTo>
-                <a:lnTo>
-                  <a:pt x="660400" y="1060450"/>
-                </a:lnTo>
-                <a:lnTo>
-                  <a:pt x="725487" y="1111250"/>
-                </a:lnTo>
-                <a:lnTo>
-                  <a:pt x="787400" y="1165225"/>
-                </a:lnTo>
-                <a:lnTo>
-                  <a:pt x="844550" y="1223962"/>
-                </a:lnTo>
-                <a:lnTo>
-                  <a:pt x="896937" y="1282700"/>
-                </a:lnTo>
-                <a:lnTo>
-                  <a:pt x="939800" y="1346200"/>
-                </a:lnTo>
-                <a:lnTo>
-                  <a:pt x="976312" y="1417637"/>
-                </a:lnTo>
-                <a:lnTo>
-                  <a:pt x="998537" y="1487487"/>
-                </a:lnTo>
-                <a:lnTo>
-                  <a:pt x="1012825" y="1565275"/>
-                </a:lnTo>
-                <a:lnTo>
-                  <a:pt x="1019175" y="1641475"/>
-                </a:lnTo>
-                <a:lnTo>
-                  <a:pt x="1017587" y="1722437"/>
-                </a:lnTo>
-                <a:lnTo>
-                  <a:pt x="1011237" y="1803400"/>
-                </a:lnTo>
-                <a:lnTo>
-                  <a:pt x="1003300" y="1887537"/>
-                </a:lnTo>
-                <a:lnTo>
-                  <a:pt x="992187" y="1971675"/>
-                </a:lnTo>
-                <a:lnTo>
-                  <a:pt x="979487" y="2055812"/>
-                </a:lnTo>
-                <a:lnTo>
-                  <a:pt x="969962" y="2139950"/>
-                </a:lnTo>
-                <a:lnTo>
-                  <a:pt x="963612" y="2224087"/>
-                </a:lnTo>
-                <a:lnTo>
-                  <a:pt x="958850" y="2305050"/>
-                </a:lnTo>
-                <a:lnTo>
-                  <a:pt x="963612" y="2384425"/>
-                </a:lnTo>
-                <a:lnTo>
-                  <a:pt x="973137" y="2462212"/>
-                </a:lnTo>
-                <a:lnTo>
-                  <a:pt x="993775" y="2543175"/>
-                </a:lnTo>
-                <a:lnTo>
-                  <a:pt x="1025525" y="2622550"/>
-                </a:lnTo>
-                <a:lnTo>
-                  <a:pt x="1063625" y="2701925"/>
-                </a:lnTo>
-                <a:lnTo>
-                  <a:pt x="1106487" y="2781300"/>
-                </a:lnTo>
-                <a:lnTo>
-                  <a:pt x="1150937" y="2859087"/>
-                </a:lnTo>
-                <a:lnTo>
-                  <a:pt x="1198562" y="2938462"/>
-                </a:lnTo>
-                <a:lnTo>
-                  <a:pt x="1241425" y="3017837"/>
-                </a:lnTo>
-                <a:lnTo>
-                  <a:pt x="1284288" y="3098800"/>
-                </a:lnTo>
-                <a:lnTo>
-                  <a:pt x="1320800" y="3179762"/>
-                </a:lnTo>
-                <a:lnTo>
-                  <a:pt x="1349375" y="3260725"/>
-                </a:lnTo>
-                <a:lnTo>
-                  <a:pt x="1365250" y="3343275"/>
-                </a:lnTo>
-                <a:lnTo>
-                  <a:pt x="1374775" y="3429000"/>
-                </a:lnTo>
-                <a:lnTo>
-                  <a:pt x="1365250" y="3514725"/>
-                </a:lnTo>
-                <a:lnTo>
-                  <a:pt x="1349375" y="3597275"/>
-                </a:lnTo>
-                <a:lnTo>
-                  <a:pt x="1320800" y="3678237"/>
-                </a:lnTo>
-                <a:lnTo>
-                  <a:pt x="1284288" y="3759200"/>
-                </a:lnTo>
-                <a:lnTo>
-                  <a:pt x="1241425" y="3840162"/>
-                </a:lnTo>
-                <a:lnTo>
-                  <a:pt x="1198562" y="3919537"/>
-                </a:lnTo>
-                <a:lnTo>
-                  <a:pt x="1150937" y="3998912"/>
-                </a:lnTo>
-                <a:lnTo>
-                  <a:pt x="1106487" y="4076700"/>
-                </a:lnTo>
-                <a:lnTo>
-                  <a:pt x="1063625" y="4156075"/>
-                </a:lnTo>
-                <a:lnTo>
-                  <a:pt x="1025525" y="4235450"/>
-                </a:lnTo>
-                <a:lnTo>
-                  <a:pt x="993775" y="4314825"/>
-                </a:lnTo>
-                <a:lnTo>
-                  <a:pt x="973137" y="4395787"/>
-                </a:lnTo>
-                <a:lnTo>
-                  <a:pt x="963612" y="4473575"/>
-                </a:lnTo>
-                <a:lnTo>
-                  <a:pt x="958850" y="4552950"/>
-                </a:lnTo>
-                <a:lnTo>
-                  <a:pt x="963612" y="4633912"/>
-                </a:lnTo>
-                <a:lnTo>
-                  <a:pt x="969962" y="4718050"/>
-                </a:lnTo>
-                <a:lnTo>
-                  <a:pt x="979487" y="4802187"/>
-                </a:lnTo>
-                <a:lnTo>
-                  <a:pt x="992187" y="4886325"/>
-                </a:lnTo>
-                <a:lnTo>
-                  <a:pt x="1003300" y="4970462"/>
-                </a:lnTo>
-                <a:lnTo>
-                  <a:pt x="1011237" y="5054600"/>
-                </a:lnTo>
-                <a:lnTo>
-                  <a:pt x="1017587" y="5135562"/>
-                </a:lnTo>
-                <a:lnTo>
-                  <a:pt x="1019175" y="5216525"/>
-                </a:lnTo>
-                <a:lnTo>
-                  <a:pt x="1012825" y="5292725"/>
-                </a:lnTo>
-                <a:lnTo>
-                  <a:pt x="998537" y="5370512"/>
-                </a:lnTo>
-                <a:lnTo>
-                  <a:pt x="976312" y="5440362"/>
-                </a:lnTo>
-                <a:lnTo>
-                  <a:pt x="939800" y="5511800"/>
-                </a:lnTo>
-                <a:lnTo>
-                  <a:pt x="896937" y="5575300"/>
-                </a:lnTo>
-                <a:lnTo>
-                  <a:pt x="844550" y="5634037"/>
-                </a:lnTo>
-                <a:lnTo>
-                  <a:pt x="787400" y="5692775"/>
-                </a:lnTo>
-                <a:lnTo>
-                  <a:pt x="725487" y="5746750"/>
-                </a:lnTo>
-                <a:lnTo>
-                  <a:pt x="660400" y="5797550"/>
-                </a:lnTo>
-                <a:lnTo>
-                  <a:pt x="592137" y="5849937"/>
-                </a:lnTo>
-                <a:lnTo>
-                  <a:pt x="525462" y="5900737"/>
-                </a:lnTo>
-                <a:lnTo>
-                  <a:pt x="458787" y="5951537"/>
-                </a:lnTo>
-                <a:lnTo>
-                  <a:pt x="395287" y="6005512"/>
-                </a:lnTo>
-                <a:lnTo>
-                  <a:pt x="334962" y="6059487"/>
-                </a:lnTo>
-                <a:lnTo>
-                  <a:pt x="282575" y="6118225"/>
-                </a:lnTo>
-                <a:lnTo>
-                  <a:pt x="234950" y="6180137"/>
-                </a:lnTo>
-                <a:lnTo>
-                  <a:pt x="192087" y="6253162"/>
-                </a:lnTo>
-                <a:lnTo>
-                  <a:pt x="155575" y="6332537"/>
-                </a:lnTo>
-                <a:lnTo>
-                  <a:pt x="127000" y="6416675"/>
-                </a:lnTo>
-                <a:lnTo>
-                  <a:pt x="100012" y="6503987"/>
-                </a:lnTo>
-                <a:lnTo>
-                  <a:pt x="77787" y="6594475"/>
-                </a:lnTo>
-                <a:lnTo>
-                  <a:pt x="52387" y="6683375"/>
-                </a:lnTo>
-                <a:lnTo>
-                  <a:pt x="26987" y="6770687"/>
-                </a:lnTo>
-                <a:lnTo>
-                  <a:pt x="0" y="6858000"/>
-                </a:lnTo>
-                <a:lnTo>
-                  <a:pt x="9807836" y="6858000"/>
-                </a:lnTo>
-                <a:lnTo>
-                  <a:pt x="9807836" y="0"/>
-                </a:lnTo>
-                <a:close/>
-              </a:path>
-            </a:pathLst>
-          </a:custGeom>
-          <a:solidFill>
-            <a:schemeClr val="accent1"/>
-          </a:solidFill>
-          <a:ln w="0">
-            <a:noFill/>
-            <a:prstDash val="solid"/>
-            <a:round/>
-            <a:headEnd/>
-            <a:tailEnd/>
-          </a:ln>
-        </p:spPr>
-      </p:sp>
-      <p:sp>
-        <p:nvSpPr>
           <p:cNvPr id="2" name="Title 1">
             <a:extLst>
               <a:ext uri="{FF2B5EF4-FFF2-40B4-BE49-F238E27FC236}">
@@ -29943,7 +29050,7 @@
           <a:p>
             <a:pPr algn="l"/>
             <a:r>
-              <a:rPr lang="en-US"/>
+              <a:rPr lang="en-US" dirty="0"/>
               <a:t>Statistics for Business</a:t>
             </a:r>
           </a:p>
@@ -30015,685 +29122,68 @@
       </p:sp>
       <p:sp>
         <p:nvSpPr>
-          <p:cNvPr id="20" name="Rectangle 19">
+          <p:cNvPr id="9" name="Rectangle 8">
             <a:extLst>
               <a:ext uri="{FF2B5EF4-FFF2-40B4-BE49-F238E27FC236}">
-                <a16:creationId xmlns:a16="http://schemas.microsoft.com/office/drawing/2014/main" id="{517C1286-B472-4907-9B47-E8C9FE290328}"/>
-              </a:ext>
-              <a:ext uri="{C183D7F6-B498-43B3-948B-1728B52AA6E4}">
-                <adec:decorative xmlns:adec="http://schemas.microsoft.com/office/drawing/2017/decorative" val="1"/>
+                <a16:creationId xmlns:a16="http://schemas.microsoft.com/office/drawing/2014/main" id="{80403AE2-0B84-413A-B7A8-3165F3E5E5A0}"/>
               </a:ext>
             </a:extLst>
           </p:cNvPr>
-          <p:cNvSpPr>
-            <a:spLocks noGrp="1" noRot="1" noChangeAspect="1" noMove="1" noResize="1" noEditPoints="1" noAdjustHandles="1" noChangeArrowheads="1" noChangeShapeType="1" noTextEdit="1"/>
-          </p:cNvSpPr>
-          <p:nvPr>
-            <p:extLst>
-              <p:ext uri="{386F3935-93C4-4BCD-93E2-E3B085C9AB24}">
-                <p16:designElem xmlns:p16="http://schemas.microsoft.com/office/powerpoint/2015/main" val="1"/>
-              </p:ext>
-            </p:extLst>
-          </p:nvPr>
+          <p:cNvSpPr/>
+          <p:nvPr/>
         </p:nvSpPr>
         <p:spPr>
           <a:xfrm>
-            <a:off x="0" y="0"/>
-            <a:ext cx="283464" cy="6858000"/>
+            <a:off x="544404" y="293941"/>
+            <a:ext cx="4276978" cy="769441"/>
           </a:xfrm>
           <a:prstGeom prst="rect">
             <a:avLst/>
           </a:prstGeom>
-          <a:solidFill>
-            <a:schemeClr val="tx2"/>
-          </a:solidFill>
-          <a:ln>
-            <a:noFill/>
-          </a:ln>
+          <a:noFill/>
         </p:spPr>
-        <p:style>
-          <a:lnRef idx="2">
-            <a:schemeClr val="accent1">
-              <a:shade val="50000"/>
-            </a:schemeClr>
-          </a:lnRef>
-          <a:fillRef idx="1">
-            <a:schemeClr val="accent1"/>
-          </a:fillRef>
-          <a:effectRef idx="0">
-            <a:schemeClr val="accent1"/>
-          </a:effectRef>
-          <a:fontRef idx="minor">
-            <a:schemeClr val="lt1"/>
-          </a:fontRef>
-        </p:style>
-      </p:sp>
-      <p:sp>
-        <p:nvSpPr>
-          <p:cNvPr id="22" name="Freeform 16">
-            <a:extLst>
-              <a:ext uri="{FF2B5EF4-FFF2-40B4-BE49-F238E27FC236}">
-                <a16:creationId xmlns:a16="http://schemas.microsoft.com/office/drawing/2014/main" id="{28B35564-38A4-457A-BD01-15D6F1659414}"/>
-              </a:ext>
-              <a:ext uri="{C183D7F6-B498-43B3-948B-1728B52AA6E4}">
-                <adec:decorative xmlns:adec="http://schemas.microsoft.com/office/drawing/2017/decorative" val="1"/>
-              </a:ext>
-            </a:extLst>
-          </p:cNvPr>
-          <p:cNvSpPr>
-            <a:spLocks noGrp="1" noRot="1" noChangeAspect="1" noMove="1" noResize="1" noEditPoints="1" noAdjustHandles="1" noChangeArrowheads="1" noChangeShapeType="1" noTextEdit="1"/>
-          </p:cNvSpPr>
-          <p:nvPr>
-            <p:extLst>
-              <p:ext uri="{386F3935-93C4-4BCD-93E2-E3B085C9AB24}">
-                <p16:designElem xmlns:p16="http://schemas.microsoft.com/office/powerpoint/2015/main" val="1"/>
-              </p:ext>
-            </p:extLst>
-          </p:nvPr>
-        </p:nvSpPr>
-        <p:spPr bwMode="auto">
-          <a:xfrm flipH="1">
-            <a:off x="8433061" y="0"/>
-            <a:ext cx="1646238" cy="6858000"/>
-          </a:xfrm>
-          <a:custGeom>
-            <a:avLst/>
-            <a:gdLst/>
-            <a:ahLst/>
-            <a:cxnLst/>
-            <a:rect l="0" t="0" r="r" b="b"/>
-            <a:pathLst>
-              <a:path w="1037" h="4320">
-                <a:moveTo>
-                  <a:pt x="0" y="0"/>
-                </a:moveTo>
-                <a:lnTo>
-                  <a:pt x="171" y="0"/>
-                </a:lnTo>
-                <a:lnTo>
-                  <a:pt x="188" y="55"/>
-                </a:lnTo>
-                <a:lnTo>
-                  <a:pt x="204" y="110"/>
-                </a:lnTo>
-                <a:lnTo>
-                  <a:pt x="220" y="166"/>
-                </a:lnTo>
-                <a:lnTo>
-                  <a:pt x="234" y="223"/>
-                </a:lnTo>
-                <a:lnTo>
-                  <a:pt x="251" y="278"/>
-                </a:lnTo>
-                <a:lnTo>
-                  <a:pt x="269" y="331"/>
-                </a:lnTo>
-                <a:lnTo>
-                  <a:pt x="292" y="381"/>
-                </a:lnTo>
-                <a:lnTo>
-                  <a:pt x="319" y="427"/>
-                </a:lnTo>
-                <a:lnTo>
-                  <a:pt x="349" y="466"/>
-                </a:lnTo>
-                <a:lnTo>
-                  <a:pt x="382" y="503"/>
-                </a:lnTo>
-                <a:lnTo>
-                  <a:pt x="420" y="537"/>
-                </a:lnTo>
-                <a:lnTo>
-                  <a:pt x="460" y="571"/>
-                </a:lnTo>
-                <a:lnTo>
-                  <a:pt x="502" y="603"/>
-                </a:lnTo>
-                <a:lnTo>
-                  <a:pt x="544" y="635"/>
-                </a:lnTo>
-                <a:lnTo>
-                  <a:pt x="587" y="668"/>
-                </a:lnTo>
-                <a:lnTo>
-                  <a:pt x="628" y="700"/>
-                </a:lnTo>
-                <a:lnTo>
-                  <a:pt x="667" y="734"/>
-                </a:lnTo>
-                <a:lnTo>
-                  <a:pt x="703" y="771"/>
-                </a:lnTo>
-                <a:lnTo>
-                  <a:pt x="736" y="808"/>
-                </a:lnTo>
-                <a:lnTo>
-                  <a:pt x="763" y="848"/>
-                </a:lnTo>
-                <a:lnTo>
-                  <a:pt x="786" y="893"/>
-                </a:lnTo>
-                <a:lnTo>
-                  <a:pt x="800" y="937"/>
-                </a:lnTo>
-                <a:lnTo>
-                  <a:pt x="809" y="986"/>
-                </a:lnTo>
-                <a:lnTo>
-                  <a:pt x="813" y="1034"/>
-                </a:lnTo>
-                <a:lnTo>
-                  <a:pt x="812" y="1085"/>
-                </a:lnTo>
-                <a:lnTo>
-                  <a:pt x="808" y="1136"/>
-                </a:lnTo>
-                <a:lnTo>
-                  <a:pt x="803" y="1189"/>
-                </a:lnTo>
-                <a:lnTo>
-                  <a:pt x="796" y="1242"/>
-                </a:lnTo>
-                <a:lnTo>
-                  <a:pt x="788" y="1295"/>
-                </a:lnTo>
-                <a:lnTo>
-                  <a:pt x="782" y="1348"/>
-                </a:lnTo>
-                <a:lnTo>
-                  <a:pt x="778" y="1401"/>
-                </a:lnTo>
-                <a:lnTo>
-                  <a:pt x="775" y="1452"/>
-                </a:lnTo>
-                <a:lnTo>
-                  <a:pt x="778" y="1502"/>
-                </a:lnTo>
-                <a:lnTo>
-                  <a:pt x="784" y="1551"/>
-                </a:lnTo>
-                <a:lnTo>
-                  <a:pt x="797" y="1602"/>
-                </a:lnTo>
-                <a:lnTo>
-                  <a:pt x="817" y="1652"/>
-                </a:lnTo>
-                <a:lnTo>
-                  <a:pt x="841" y="1702"/>
-                </a:lnTo>
-                <a:lnTo>
-                  <a:pt x="868" y="1752"/>
-                </a:lnTo>
-                <a:lnTo>
-                  <a:pt x="896" y="1801"/>
-                </a:lnTo>
-                <a:lnTo>
-                  <a:pt x="926" y="1851"/>
-                </a:lnTo>
-                <a:lnTo>
-                  <a:pt x="953" y="1901"/>
-                </a:lnTo>
-                <a:lnTo>
-                  <a:pt x="980" y="1952"/>
-                </a:lnTo>
-                <a:lnTo>
-                  <a:pt x="1003" y="2003"/>
-                </a:lnTo>
-                <a:lnTo>
-                  <a:pt x="1021" y="2054"/>
-                </a:lnTo>
-                <a:lnTo>
-                  <a:pt x="1031" y="2106"/>
-                </a:lnTo>
-                <a:lnTo>
-                  <a:pt x="1037" y="2160"/>
-                </a:lnTo>
-                <a:lnTo>
-                  <a:pt x="1031" y="2214"/>
-                </a:lnTo>
-                <a:lnTo>
-                  <a:pt x="1021" y="2266"/>
-                </a:lnTo>
-                <a:lnTo>
-                  <a:pt x="1003" y="2317"/>
-                </a:lnTo>
-                <a:lnTo>
-                  <a:pt x="980" y="2368"/>
-                </a:lnTo>
-                <a:lnTo>
-                  <a:pt x="953" y="2419"/>
-                </a:lnTo>
-                <a:lnTo>
-                  <a:pt x="926" y="2469"/>
-                </a:lnTo>
-                <a:lnTo>
-                  <a:pt x="896" y="2519"/>
-                </a:lnTo>
-                <a:lnTo>
-                  <a:pt x="868" y="2568"/>
-                </a:lnTo>
-                <a:lnTo>
-                  <a:pt x="841" y="2618"/>
-                </a:lnTo>
-                <a:lnTo>
-                  <a:pt x="817" y="2668"/>
-                </a:lnTo>
-                <a:lnTo>
-                  <a:pt x="797" y="2718"/>
-                </a:lnTo>
-                <a:lnTo>
-                  <a:pt x="784" y="2769"/>
-                </a:lnTo>
-                <a:lnTo>
-                  <a:pt x="778" y="2818"/>
-                </a:lnTo>
-                <a:lnTo>
-                  <a:pt x="775" y="2868"/>
-                </a:lnTo>
-                <a:lnTo>
-                  <a:pt x="778" y="2919"/>
-                </a:lnTo>
-                <a:lnTo>
-                  <a:pt x="782" y="2972"/>
-                </a:lnTo>
-                <a:lnTo>
-                  <a:pt x="788" y="3025"/>
-                </a:lnTo>
-                <a:lnTo>
-                  <a:pt x="796" y="3078"/>
-                </a:lnTo>
-                <a:lnTo>
-                  <a:pt x="803" y="3131"/>
-                </a:lnTo>
-                <a:lnTo>
-                  <a:pt x="808" y="3184"/>
-                </a:lnTo>
-                <a:lnTo>
-                  <a:pt x="812" y="3235"/>
-                </a:lnTo>
-                <a:lnTo>
-                  <a:pt x="813" y="3286"/>
-                </a:lnTo>
-                <a:lnTo>
-                  <a:pt x="809" y="3334"/>
-                </a:lnTo>
-                <a:lnTo>
-                  <a:pt x="800" y="3383"/>
-                </a:lnTo>
-                <a:lnTo>
-                  <a:pt x="786" y="3427"/>
-                </a:lnTo>
-                <a:lnTo>
-                  <a:pt x="763" y="3472"/>
-                </a:lnTo>
-                <a:lnTo>
-                  <a:pt x="736" y="3512"/>
-                </a:lnTo>
-                <a:lnTo>
-                  <a:pt x="703" y="3549"/>
-                </a:lnTo>
-                <a:lnTo>
-                  <a:pt x="667" y="3586"/>
-                </a:lnTo>
-                <a:lnTo>
-                  <a:pt x="628" y="3620"/>
-                </a:lnTo>
-                <a:lnTo>
-                  <a:pt x="587" y="3652"/>
-                </a:lnTo>
-                <a:lnTo>
-                  <a:pt x="544" y="3685"/>
-                </a:lnTo>
-                <a:lnTo>
-                  <a:pt x="502" y="3717"/>
-                </a:lnTo>
-                <a:lnTo>
-                  <a:pt x="460" y="3749"/>
-                </a:lnTo>
-                <a:lnTo>
-                  <a:pt x="420" y="3783"/>
-                </a:lnTo>
-                <a:lnTo>
-                  <a:pt x="382" y="3817"/>
-                </a:lnTo>
-                <a:lnTo>
-                  <a:pt x="349" y="3854"/>
-                </a:lnTo>
-                <a:lnTo>
-                  <a:pt x="319" y="3893"/>
-                </a:lnTo>
-                <a:lnTo>
-                  <a:pt x="292" y="3939"/>
-                </a:lnTo>
-                <a:lnTo>
-                  <a:pt x="269" y="3989"/>
-                </a:lnTo>
-                <a:lnTo>
-                  <a:pt x="251" y="4042"/>
-                </a:lnTo>
-                <a:lnTo>
-                  <a:pt x="234" y="4097"/>
-                </a:lnTo>
-                <a:lnTo>
-                  <a:pt x="220" y="4154"/>
-                </a:lnTo>
-                <a:lnTo>
-                  <a:pt x="204" y="4210"/>
-                </a:lnTo>
-                <a:lnTo>
-                  <a:pt x="188" y="4265"/>
-                </a:lnTo>
-                <a:lnTo>
-                  <a:pt x="171" y="4320"/>
-                </a:lnTo>
-                <a:lnTo>
-                  <a:pt x="0" y="4320"/>
-                </a:lnTo>
-                <a:lnTo>
-                  <a:pt x="17" y="4278"/>
-                </a:lnTo>
-                <a:lnTo>
-                  <a:pt x="33" y="4232"/>
-                </a:lnTo>
-                <a:lnTo>
-                  <a:pt x="46" y="4183"/>
-                </a:lnTo>
-                <a:lnTo>
-                  <a:pt x="60" y="4131"/>
-                </a:lnTo>
-                <a:lnTo>
-                  <a:pt x="75" y="4075"/>
-                </a:lnTo>
-                <a:lnTo>
-                  <a:pt x="90" y="4019"/>
-                </a:lnTo>
-                <a:lnTo>
-                  <a:pt x="109" y="3964"/>
-                </a:lnTo>
-                <a:lnTo>
-                  <a:pt x="129" y="3909"/>
-                </a:lnTo>
-                <a:lnTo>
-                  <a:pt x="156" y="3855"/>
-                </a:lnTo>
-                <a:lnTo>
-                  <a:pt x="186" y="3804"/>
-                </a:lnTo>
-                <a:lnTo>
-                  <a:pt x="222" y="3756"/>
-                </a:lnTo>
-                <a:lnTo>
-                  <a:pt x="261" y="3713"/>
-                </a:lnTo>
-                <a:lnTo>
-                  <a:pt x="303" y="3672"/>
-                </a:lnTo>
-                <a:lnTo>
-                  <a:pt x="348" y="3634"/>
-                </a:lnTo>
-                <a:lnTo>
-                  <a:pt x="392" y="3599"/>
-                </a:lnTo>
-                <a:lnTo>
-                  <a:pt x="438" y="3565"/>
-                </a:lnTo>
-                <a:lnTo>
-                  <a:pt x="482" y="3531"/>
-                </a:lnTo>
-                <a:lnTo>
-                  <a:pt x="523" y="3499"/>
-                </a:lnTo>
-                <a:lnTo>
-                  <a:pt x="561" y="3466"/>
-                </a:lnTo>
-                <a:lnTo>
-                  <a:pt x="594" y="3434"/>
-                </a:lnTo>
-                <a:lnTo>
-                  <a:pt x="620" y="3400"/>
-                </a:lnTo>
-                <a:lnTo>
-                  <a:pt x="638" y="3367"/>
-                </a:lnTo>
-                <a:lnTo>
-                  <a:pt x="647" y="3336"/>
-                </a:lnTo>
-                <a:lnTo>
-                  <a:pt x="652" y="3302"/>
-                </a:lnTo>
-                <a:lnTo>
-                  <a:pt x="654" y="3265"/>
-                </a:lnTo>
-                <a:lnTo>
-                  <a:pt x="651" y="3224"/>
-                </a:lnTo>
-                <a:lnTo>
-                  <a:pt x="647" y="3181"/>
-                </a:lnTo>
-                <a:lnTo>
-                  <a:pt x="642" y="3137"/>
-                </a:lnTo>
-                <a:lnTo>
-                  <a:pt x="637" y="3091"/>
-                </a:lnTo>
-                <a:lnTo>
-                  <a:pt x="626" y="3021"/>
-                </a:lnTo>
-                <a:lnTo>
-                  <a:pt x="620" y="2952"/>
-                </a:lnTo>
-                <a:lnTo>
-                  <a:pt x="616" y="2881"/>
-                </a:lnTo>
-                <a:lnTo>
-                  <a:pt x="618" y="2809"/>
-                </a:lnTo>
-                <a:lnTo>
-                  <a:pt x="628" y="2737"/>
-                </a:lnTo>
-                <a:lnTo>
-                  <a:pt x="642" y="2681"/>
-                </a:lnTo>
-                <a:lnTo>
-                  <a:pt x="661" y="2626"/>
-                </a:lnTo>
-                <a:lnTo>
-                  <a:pt x="685" y="2574"/>
-                </a:lnTo>
-                <a:lnTo>
-                  <a:pt x="711" y="2521"/>
-                </a:lnTo>
-                <a:lnTo>
-                  <a:pt x="739" y="2472"/>
-                </a:lnTo>
-                <a:lnTo>
-                  <a:pt x="767" y="2423"/>
-                </a:lnTo>
-                <a:lnTo>
-                  <a:pt x="791" y="2381"/>
-                </a:lnTo>
-                <a:lnTo>
-                  <a:pt x="813" y="2342"/>
-                </a:lnTo>
-                <a:lnTo>
-                  <a:pt x="834" y="2303"/>
-                </a:lnTo>
-                <a:lnTo>
-                  <a:pt x="851" y="2265"/>
-                </a:lnTo>
-                <a:lnTo>
-                  <a:pt x="864" y="2228"/>
-                </a:lnTo>
-                <a:lnTo>
-                  <a:pt x="873" y="2194"/>
-                </a:lnTo>
-                <a:lnTo>
-                  <a:pt x="876" y="2160"/>
-                </a:lnTo>
-                <a:lnTo>
-                  <a:pt x="873" y="2126"/>
-                </a:lnTo>
-                <a:lnTo>
-                  <a:pt x="864" y="2092"/>
-                </a:lnTo>
-                <a:lnTo>
-                  <a:pt x="851" y="2055"/>
-                </a:lnTo>
-                <a:lnTo>
-                  <a:pt x="834" y="2017"/>
-                </a:lnTo>
-                <a:lnTo>
-                  <a:pt x="813" y="1978"/>
-                </a:lnTo>
-                <a:lnTo>
-                  <a:pt x="791" y="1939"/>
-                </a:lnTo>
-                <a:lnTo>
-                  <a:pt x="767" y="1897"/>
-                </a:lnTo>
-                <a:lnTo>
-                  <a:pt x="739" y="1848"/>
-                </a:lnTo>
-                <a:lnTo>
-                  <a:pt x="711" y="1799"/>
-                </a:lnTo>
-                <a:lnTo>
-                  <a:pt x="685" y="1746"/>
-                </a:lnTo>
-                <a:lnTo>
-                  <a:pt x="661" y="1694"/>
-                </a:lnTo>
-                <a:lnTo>
-                  <a:pt x="642" y="1639"/>
-                </a:lnTo>
-                <a:lnTo>
-                  <a:pt x="628" y="1583"/>
-                </a:lnTo>
-                <a:lnTo>
-                  <a:pt x="618" y="1511"/>
-                </a:lnTo>
-                <a:lnTo>
-                  <a:pt x="616" y="1439"/>
-                </a:lnTo>
-                <a:lnTo>
-                  <a:pt x="620" y="1368"/>
-                </a:lnTo>
-                <a:lnTo>
-                  <a:pt x="626" y="1299"/>
-                </a:lnTo>
-                <a:lnTo>
-                  <a:pt x="637" y="1229"/>
-                </a:lnTo>
-                <a:lnTo>
-                  <a:pt x="642" y="1183"/>
-                </a:lnTo>
-                <a:lnTo>
-                  <a:pt x="647" y="1139"/>
-                </a:lnTo>
-                <a:lnTo>
-                  <a:pt x="651" y="1096"/>
-                </a:lnTo>
-                <a:lnTo>
-                  <a:pt x="654" y="1055"/>
-                </a:lnTo>
-                <a:lnTo>
-                  <a:pt x="652" y="1018"/>
-                </a:lnTo>
-                <a:lnTo>
-                  <a:pt x="647" y="984"/>
-                </a:lnTo>
-                <a:lnTo>
-                  <a:pt x="638" y="953"/>
-                </a:lnTo>
-                <a:lnTo>
-                  <a:pt x="620" y="920"/>
-                </a:lnTo>
-                <a:lnTo>
-                  <a:pt x="594" y="886"/>
-                </a:lnTo>
-                <a:lnTo>
-                  <a:pt x="561" y="854"/>
-                </a:lnTo>
-                <a:lnTo>
-                  <a:pt x="523" y="822"/>
-                </a:lnTo>
-                <a:lnTo>
-                  <a:pt x="482" y="789"/>
-                </a:lnTo>
-                <a:lnTo>
-                  <a:pt x="438" y="755"/>
-                </a:lnTo>
-                <a:lnTo>
-                  <a:pt x="392" y="721"/>
-                </a:lnTo>
-                <a:lnTo>
-                  <a:pt x="348" y="686"/>
-                </a:lnTo>
-                <a:lnTo>
-                  <a:pt x="303" y="648"/>
-                </a:lnTo>
-                <a:lnTo>
-                  <a:pt x="261" y="607"/>
-                </a:lnTo>
-                <a:lnTo>
-                  <a:pt x="222" y="564"/>
-                </a:lnTo>
-                <a:lnTo>
-                  <a:pt x="186" y="516"/>
-                </a:lnTo>
-                <a:lnTo>
-                  <a:pt x="156" y="465"/>
-                </a:lnTo>
-                <a:lnTo>
-                  <a:pt x="129" y="411"/>
-                </a:lnTo>
-                <a:lnTo>
-                  <a:pt x="109" y="356"/>
-                </a:lnTo>
-                <a:lnTo>
-                  <a:pt x="90" y="301"/>
-                </a:lnTo>
-                <a:lnTo>
-                  <a:pt x="75" y="245"/>
-                </a:lnTo>
-                <a:lnTo>
-                  <a:pt x="60" y="189"/>
-                </a:lnTo>
-                <a:lnTo>
-                  <a:pt x="46" y="137"/>
-                </a:lnTo>
-                <a:lnTo>
-                  <a:pt x="33" y="88"/>
-                </a:lnTo>
-                <a:lnTo>
-                  <a:pt x="17" y="42"/>
-                </a:lnTo>
-                <a:lnTo>
-                  <a:pt x="0" y="0"/>
-                </a:lnTo>
-                <a:lnTo>
-                  <a:pt x="0" y="0"/>
-                </a:lnTo>
-                <a:close/>
-              </a:path>
-            </a:pathLst>
-          </a:custGeom>
-          <a:solidFill>
-            <a:schemeClr val="bg2"/>
-          </a:solidFill>
-          <a:ln w="0">
-            <a:noFill/>
-            <a:prstDash val="solid"/>
-            <a:round/>
-            <a:headEnd/>
-            <a:tailEnd/>
-          </a:ln>
-        </p:spPr>
+        <p:txBody>
+          <a:bodyPr wrap="square" lIns="91440" tIns="45720" rIns="91440" bIns="45720">
+            <a:spAutoFit/>
+          </a:bodyPr>
+          <a:lstStyle/>
+          <a:p>
+            <a:r>
+              <a:rPr lang="en-US" sz="4400" cap="all" spc="800" dirty="0">
+                <a:ln w="0"/>
+                <a:solidFill>
+                  <a:schemeClr val="tx2"/>
+                </a:solidFill>
+                <a:effectLst>
+                  <a:outerShdw blurRad="38100" dist="19050" dir="2700000" algn="tl" rotWithShape="0">
+                    <a:schemeClr val="dk1">
+                      <a:alpha val="40000"/>
+                    </a:schemeClr>
+                  </a:outerShdw>
+                </a:effectLst>
+                <a:latin typeface="+mj-lt"/>
+                <a:ea typeface="+mj-ea"/>
+                <a:cs typeface="+mj-cs"/>
+              </a:rPr>
+              <a:t>Session 1 of</a:t>
+            </a:r>
+            <a:endParaRPr lang="en-US" dirty="0">
+              <a:ln w="0"/>
+              <a:effectLst>
+                <a:outerShdw blurRad="38100" dist="19050" dir="2700000" algn="tl" rotWithShape="0">
+                  <a:schemeClr val="dk1">
+                    <a:alpha val="40000"/>
+                  </a:schemeClr>
+                </a:outerShdw>
+              </a:effectLst>
+            </a:endParaRPr>
+          </a:p>
+        </p:txBody>
       </p:sp>
     </p:spTree>
     <p:extLst>
       <p:ext uri="{BB962C8B-B14F-4D97-AF65-F5344CB8AC3E}">
-        <p14:creationId xmlns:p14="http://schemas.microsoft.com/office/powerpoint/2010/main" val="2920831398"/>
+        <p14:creationId xmlns:p14="http://schemas.microsoft.com/office/powerpoint/2010/main" val="865926916"/>
       </p:ext>
     </p:extLst>
   </p:cSld>
@@ -30824,8 +29314,8 @@
           </a:p>
         </p:txBody>
       </p:sp>
-      <mc:AlternateContent xmlns:mc="http://schemas.openxmlformats.org/markup-compatibility/2006">
-        <mc:Choice xmlns:a14="http://schemas.microsoft.com/office/drawing/2010/main" Requires="a14">
+      <mc:AlternateContent xmlns:mc="http://schemas.openxmlformats.org/markup-compatibility/2006" xmlns:a14="http://schemas.microsoft.com/office/drawing/2010/main">
+        <mc:Choice Requires="a14">
           <p:sp>
             <p:nvSpPr>
               <p:cNvPr id="6" name="TextBox 5">
@@ -31201,7 +29691,7 @@
             </p:txBody>
           </p:sp>
         </mc:Choice>
-        <mc:Fallback>
+        <mc:Fallback xmlns="">
           <p:sp>
             <p:nvSpPr>
               <p:cNvPr id="6" name="TextBox 5">

--- a/2021/statistics-for-business/session-1.pptx
+++ b/2021/statistics-for-business/session-1.pptx
@@ -23490,7 +23490,7 @@
           <a:p>
             <a:fld id="{BAB092CD-4273-444B-8426-8EB57D389A51}" type="datetimeFigureOut">
               <a:rPr lang="es-MX" smtClean="0"/>
-              <a:t>14/01/2022</a:t>
+              <a:t>02/04/2022</a:t>
             </a:fld>
             <a:endParaRPr lang="es-MX" dirty="0"/>
           </a:p>
@@ -23728,7 +23728,7 @@
           <a:p>
             <a:fld id="{BAB092CD-4273-444B-8426-8EB57D389A51}" type="datetimeFigureOut">
               <a:rPr lang="es-MX" smtClean="0"/>
-              <a:t>14/01/2022</a:t>
+              <a:t>02/04/2022</a:t>
             </a:fld>
             <a:endParaRPr lang="es-MX" dirty="0"/>
           </a:p>
@@ -23908,7 +23908,7 @@
           <a:p>
             <a:fld id="{BAB092CD-4273-444B-8426-8EB57D389A51}" type="datetimeFigureOut">
               <a:rPr lang="es-MX" smtClean="0"/>
-              <a:t>14/01/2022</a:t>
+              <a:t>02/04/2022</a:t>
             </a:fld>
             <a:endParaRPr lang="es-MX" dirty="0"/>
           </a:p>
@@ -24078,7 +24078,7 @@
           <a:p>
             <a:fld id="{BAB092CD-4273-444B-8426-8EB57D389A51}" type="datetimeFigureOut">
               <a:rPr lang="es-MX" smtClean="0"/>
-              <a:t>14/01/2022</a:t>
+              <a:t>02/04/2022</a:t>
             </a:fld>
             <a:endParaRPr lang="es-MX" dirty="0"/>
           </a:p>
@@ -24354,7 +24354,7 @@
           <a:p>
             <a:fld id="{BAB092CD-4273-444B-8426-8EB57D389A51}" type="datetimeFigureOut">
               <a:rPr lang="es-MX" smtClean="0"/>
-              <a:t>14/01/2022</a:t>
+              <a:t>02/04/2022</a:t>
             </a:fld>
             <a:endParaRPr lang="es-MX" dirty="0"/>
           </a:p>
@@ -25555,7 +25555,7 @@
           <a:p>
             <a:fld id="{BAB092CD-4273-444B-8426-8EB57D389A51}" type="datetimeFigureOut">
               <a:rPr lang="es-MX" smtClean="0"/>
-              <a:t>14/01/2022</a:t>
+              <a:t>02/04/2022</a:t>
             </a:fld>
             <a:endParaRPr lang="es-MX" dirty="0"/>
           </a:p>
@@ -25945,7 +25945,7 @@
           <a:p>
             <a:fld id="{BAB092CD-4273-444B-8426-8EB57D389A51}" type="datetimeFigureOut">
               <a:rPr lang="es-MX" smtClean="0"/>
-              <a:t>14/01/2022</a:t>
+              <a:t>02/04/2022</a:t>
             </a:fld>
             <a:endParaRPr lang="es-MX" dirty="0"/>
           </a:p>
@@ -26068,7 +26068,7 @@
           <a:p>
             <a:fld id="{BAB092CD-4273-444B-8426-8EB57D389A51}" type="datetimeFigureOut">
               <a:rPr lang="es-MX" smtClean="0"/>
-              <a:t>14/01/2022</a:t>
+              <a:t>02/04/2022</a:t>
             </a:fld>
             <a:endParaRPr lang="es-MX" dirty="0"/>
           </a:p>
@@ -26163,7 +26163,7 @@
           <a:p>
             <a:fld id="{BAB092CD-4273-444B-8426-8EB57D389A51}" type="datetimeFigureOut">
               <a:rPr lang="es-MX" smtClean="0"/>
-              <a:t>14/01/2022</a:t>
+              <a:t>02/04/2022</a:t>
             </a:fld>
             <a:endParaRPr lang="es-MX" dirty="0"/>
           </a:p>
@@ -26926,7 +26926,7 @@
           <a:p>
             <a:fld id="{BAB092CD-4273-444B-8426-8EB57D389A51}" type="datetimeFigureOut">
               <a:rPr lang="es-MX" smtClean="0"/>
-              <a:t>14/01/2022</a:t>
+              <a:t>02/04/2022</a:t>
             </a:fld>
             <a:endParaRPr lang="es-MX" dirty="0"/>
           </a:p>
@@ -27765,7 +27765,7 @@
           <a:p>
             <a:fld id="{BAB092CD-4273-444B-8426-8EB57D389A51}" type="datetimeFigureOut">
               <a:rPr lang="es-MX" smtClean="0"/>
-              <a:t>14/01/2022</a:t>
+              <a:t>02/04/2022</a:t>
             </a:fld>
             <a:endParaRPr lang="es-MX" dirty="0"/>
           </a:p>
@@ -27992,7 +27992,7 @@
           <a:p>
             <a:fld id="{BAB092CD-4273-444B-8426-8EB57D389A51}" type="datetimeFigureOut">
               <a:rPr lang="es-MX" smtClean="0"/>
-              <a:t>14/01/2022</a:t>
+              <a:t>02/04/2022</a:t>
             </a:fld>
             <a:endParaRPr lang="es-MX" dirty="0"/>
           </a:p>
